--- a/beamer/beamer_mapsud.pptx
+++ b/beamer/beamer_mapsud.pptx
@@ -19,7 +19,7 @@
     <p:sldId id="266" r:id="rId10"/>
     <p:sldId id="261" r:id="rId11"/>
     <p:sldId id="267" r:id="rId12"/>
-    <p:sldId id="258" r:id="rId13"/>
+    <p:sldId id="275" r:id="rId13"/>
     <p:sldId id="259" r:id="rId14"/>
     <p:sldId id="271" r:id="rId15"/>
     <p:sldId id="274" r:id="rId16"/>
@@ -5610,31 +5610,47 @@
             </a:r>
           </a:p>
           <a:p>
+            <a:pPr algn="ctr"/>
+            <a:r>
+              <a:rPr kumimoji="1" lang="zh-CN" altLang="en-US" dirty="0"/>
+              <a:t>                  </a:t>
+            </a:r>
+            <a:endParaRPr kumimoji="1" lang="en-US" altLang="zh-CN" dirty="0"/>
+          </a:p>
+          <a:p>
             <a:r>
               <a:rPr kumimoji="1" lang="zh-CN" altLang="en-US" dirty="0"/>
               <a:t>                        </a:t>
             </a:r>
-            <a:endParaRPr kumimoji="1" lang="en-US" altLang="zh-CN" dirty="0"/>
-          </a:p>
-          <a:p>
+            <a:r>
+              <a:rPr kumimoji="1" lang="en-US" altLang="zh-CN" dirty="0"/>
+              <a:t>         </a:t>
+            </a:r>
             <a:r>
               <a:rPr kumimoji="1" lang="zh-CN" altLang="en-US" dirty="0"/>
-              <a:t>                        </a:t>
+              <a:t>  </a:t>
             </a:r>
             <a:r>
               <a:rPr lang="zh-CN" altLang="en-US" dirty="0"/>
-              <a:t>≠                     </a:t>
+              <a:t>≠            </a:t>
             </a:r>
             <a:r>
               <a:rPr lang="en-US" altLang="zh-CN" dirty="0"/>
               <a:t>=</a:t>
             </a:r>
-            <a:endParaRPr kumimoji="1" lang="en-US" altLang="zh-CN" dirty="0"/>
-          </a:p>
-          <a:p>
             <a:r>
               <a:rPr kumimoji="1" lang="en-US" altLang="zh-CN" dirty="0"/>
-              <a:t>     “</a:t>
+              <a:t>     </a:t>
+            </a:r>
+          </a:p>
+          <a:p>
+            <a:r>
+              <a:rPr kumimoji="1" lang="zh-CN" altLang="en-US" dirty="0"/>
+              <a:t>   </a:t>
+            </a:r>
+            <a:r>
+              <a:rPr kumimoji="1" lang="en-US" altLang="zh-CN" dirty="0"/>
+              <a:t>“</a:t>
             </a:r>
             <a:r>
               <a:rPr kumimoji="1" lang="en-US" altLang="zh-CN" dirty="0" err="1"/>
@@ -5660,7 +5676,17 @@
           <a:p>
             <a:r>
               <a:rPr kumimoji="1" lang="en-US" altLang="zh-CN" dirty="0"/>
-              <a:t>     “</a:t>
+              <a:t>     </a:t>
+            </a:r>
+          </a:p>
+          <a:p>
+            <a:r>
+              <a:rPr kumimoji="1" lang="zh-CN" altLang="en-US" dirty="0"/>
+              <a:t>    </a:t>
+            </a:r>
+            <a:r>
+              <a:rPr kumimoji="1" lang="en-US" altLang="zh-CN" dirty="0"/>
+              <a:t>“</a:t>
             </a:r>
             <a:r>
               <a:rPr kumimoji="1" lang="en-US" altLang="zh-CN" dirty="0" err="1"/>
@@ -5676,8 +5702,20 @@
           </a:p>
           <a:p>
             <a:r>
+              <a:rPr kumimoji="1" lang="zh-CN" altLang="en-US" dirty="0"/>
+              <a:t>        </a:t>
+            </a:r>
+            <a:r>
               <a:rPr kumimoji="1" lang="en-US" altLang="zh-CN" dirty="0"/>
-              <a:t>      </a:t>
+              <a:t>    </a:t>
+            </a:r>
+            <a:r>
+              <a:rPr kumimoji="1" lang="zh-CN" altLang="en-US" dirty="0"/>
+              <a:t> </a:t>
+            </a:r>
+            <a:r>
+              <a:rPr kumimoji="1" lang="en-US" altLang="zh-CN" dirty="0"/>
+              <a:t> </a:t>
             </a:r>
             <a:r>
               <a:rPr kumimoji="1" lang="en-US" altLang="zh-CN" dirty="0" err="1"/>
@@ -5685,7 +5723,15 @@
             </a:r>
             <a:r>
               <a:rPr kumimoji="1" lang="en-US" altLang="zh-CN" dirty="0"/>
-              <a:t>.                                    </a:t>
+              <a:t> </a:t>
+            </a:r>
+            <a:r>
+              <a:rPr kumimoji="1" lang="zh-CN" altLang="en-US" dirty="0"/>
+              <a:t>         </a:t>
+            </a:r>
+            <a:r>
+              <a:rPr kumimoji="1" lang="en-US" altLang="zh-CN" dirty="0"/>
+              <a:t>       </a:t>
             </a:r>
             <a:r>
               <a:rPr kumimoji="1" lang="en-US" altLang="zh-CN" dirty="0" err="1"/>
@@ -5722,7 +5768,7 @@
         </p:nvCxnSpPr>
         <p:spPr>
           <a:xfrm rot="5400000">
-            <a:off x="8458200" y="653143"/>
+            <a:off x="8473692" y="522407"/>
             <a:ext cx="783771" cy="718458"/>
           </a:xfrm>
           <a:prstGeom prst="bentConnector3">
@@ -5763,7 +5809,7 @@
         </p:nvCxnSpPr>
         <p:spPr>
           <a:xfrm rot="16200000" flipH="1">
-            <a:off x="9198428" y="642257"/>
+            <a:off x="9213854" y="511520"/>
             <a:ext cx="783772" cy="740229"/>
           </a:xfrm>
           <a:prstGeom prst="bentConnector3">
@@ -5802,7 +5848,7 @@
         </p:nvCxnSpPr>
         <p:spPr>
           <a:xfrm>
-            <a:off x="8490856" y="1785257"/>
+            <a:off x="8490856" y="1723261"/>
             <a:ext cx="0" cy="533400"/>
           </a:xfrm>
           <a:prstGeom prst="straightConnector1">
@@ -5891,7 +5937,7 @@
         </p:blipFill>
         <p:spPr>
           <a:xfrm>
-            <a:off x="9489136" y="1774372"/>
+            <a:off x="9403653" y="1599982"/>
             <a:ext cx="2289208" cy="1313359"/>
           </a:xfrm>
           <a:prstGeom prst="rect">
@@ -5920,7 +5966,7 @@
         </p:blipFill>
         <p:spPr>
           <a:xfrm>
-            <a:off x="7100156" y="3790743"/>
+            <a:off x="7092977" y="3909234"/>
             <a:ext cx="2069393" cy="2479427"/>
           </a:xfrm>
           <a:prstGeom prst="rect">
@@ -6024,7 +6070,7 @@
         </p:blipFill>
         <p:spPr>
           <a:xfrm>
-            <a:off x="9477553" y="3841172"/>
+            <a:off x="9465813" y="3960974"/>
             <a:ext cx="2057402" cy="2495677"/>
           </a:xfrm>
           <a:prstGeom prst="rect">
@@ -6035,7 +6081,7 @@
     </p:spTree>
     <p:extLst>
       <p:ext uri="{BB962C8B-B14F-4D97-AF65-F5344CB8AC3E}">
-        <p14:creationId xmlns:p14="http://schemas.microsoft.com/office/powerpoint/2010/main" val="3093678428"/>
+        <p14:creationId xmlns:p14="http://schemas.microsoft.com/office/powerpoint/2010/main" val="989808949"/>
       </p:ext>
     </p:extLst>
   </p:cSld>
